--- a/images/experiments/Dundee.pptx
+++ b/images/experiments/Dundee.pptx
@@ -172,7 +172,7 @@
                   <c:v>Gleichheit</c:v>
                 </c:pt>
                 <c:pt idx="1">
-                  <c:v>Schitt</c:v>
+                  <c:v>Schnitt</c:v>
                 </c:pt>
                 <c:pt idx="2">
                   <c:v>Untermenge</c:v>
@@ -229,7 +229,7 @@
                   <c:v>Gleichheit</c:v>
                 </c:pt>
                 <c:pt idx="1">
-                  <c:v>Schitt</c:v>
+                  <c:v>Schnitt</c:v>
                 </c:pt>
                 <c:pt idx="2">
                   <c:v>Untermenge</c:v>
@@ -286,7 +286,7 @@
                   <c:v>Gleichheit</c:v>
                 </c:pt>
                 <c:pt idx="1">
-                  <c:v>Schitt</c:v>
+                  <c:v>Schnitt</c:v>
                 </c:pt>
                 <c:pt idx="2">
                   <c:v>Untermenge</c:v>
@@ -343,7 +343,7 @@
                   <c:v>Gleichheit</c:v>
                 </c:pt>
                 <c:pt idx="1">
-                  <c:v>Schitt</c:v>
+                  <c:v>Schnitt</c:v>
                 </c:pt>
                 <c:pt idx="2">
                   <c:v>Untermenge</c:v>
@@ -400,7 +400,7 @@
                   <c:v>Gleichheit</c:v>
                 </c:pt>
                 <c:pt idx="1">
-                  <c:v>Schitt</c:v>
+                  <c:v>Schnitt</c:v>
                 </c:pt>
                 <c:pt idx="2">
                   <c:v>Untermenge</c:v>
@@ -457,7 +457,7 @@
                   <c:v>Gleichheit</c:v>
                 </c:pt>
                 <c:pt idx="1">
-                  <c:v>Schitt</c:v>
+                  <c:v>Schnitt</c:v>
                 </c:pt>
                 <c:pt idx="2">
                   <c:v>Untermenge</c:v>
@@ -521,7 +521,7 @@
                   <c:v>Gleichheit</c:v>
                 </c:pt>
                 <c:pt idx="1">
-                  <c:v>Schitt</c:v>
+                  <c:v>Schnitt</c:v>
                 </c:pt>
                 <c:pt idx="2">
                   <c:v>Untermenge</c:v>
@@ -564,11 +564,11 @@
         </c:dLbls>
         <c:gapWidth val="150"/>
         <c:overlap val="100"/>
-        <c:axId val="-2122479144"/>
-        <c:axId val="-2122656440"/>
+        <c:axId val="2087126056"/>
+        <c:axId val="2087128936"/>
       </c:barChart>
       <c:catAx>
-        <c:axId val="-2122479144"/>
+        <c:axId val="2087126056"/>
         <c:scaling>
           <c:orientation val="minMax"/>
         </c:scaling>
@@ -577,7 +577,7 @@
         <c:majorTickMark val="out"/>
         <c:minorTickMark val="none"/>
         <c:tickLblPos val="nextTo"/>
-        <c:crossAx val="-2122656440"/>
+        <c:crossAx val="2087128936"/>
         <c:crosses val="autoZero"/>
         <c:auto val="1"/>
         <c:lblAlgn val="ctr"/>
@@ -585,7 +585,7 @@
         <c:noMultiLvlLbl val="0"/>
       </c:catAx>
       <c:valAx>
-        <c:axId val="-2122656440"/>
+        <c:axId val="2087128936"/>
         <c:scaling>
           <c:orientation val="minMax"/>
           <c:max val="300.0"/>
@@ -597,7 +597,7 @@
         <c:majorTickMark val="out"/>
         <c:minorTickMark val="none"/>
         <c:tickLblPos val="nextTo"/>
-        <c:crossAx val="-2122479144"/>
+        <c:crossAx val="2087126056"/>
         <c:crosses val="autoZero"/>
         <c:crossBetween val="between"/>
       </c:valAx>
@@ -803,7 +803,7 @@
           <a:p>
             <a:fld id="{A972536A-5780-CD44-AC5B-9A18C78526C7}" type="datetimeFigureOut">
               <a:rPr lang="de-DE" smtClean="0"/>
-              <a:t>15.10.15</a:t>
+              <a:t>27.10.15</a:t>
             </a:fld>
             <a:endParaRPr lang="de-DE"/>
           </a:p>
@@ -973,7 +973,7 @@
           <a:p>
             <a:fld id="{A972536A-5780-CD44-AC5B-9A18C78526C7}" type="datetimeFigureOut">
               <a:rPr lang="de-DE" smtClean="0"/>
-              <a:t>15.10.15</a:t>
+              <a:t>27.10.15</a:t>
             </a:fld>
             <a:endParaRPr lang="de-DE"/>
           </a:p>
@@ -1153,7 +1153,7 @@
           <a:p>
             <a:fld id="{A972536A-5780-CD44-AC5B-9A18C78526C7}" type="datetimeFigureOut">
               <a:rPr lang="de-DE" smtClean="0"/>
-              <a:t>15.10.15</a:t>
+              <a:t>27.10.15</a:t>
             </a:fld>
             <a:endParaRPr lang="de-DE"/>
           </a:p>
@@ -1323,7 +1323,7 @@
           <a:p>
             <a:fld id="{A972536A-5780-CD44-AC5B-9A18C78526C7}" type="datetimeFigureOut">
               <a:rPr lang="de-DE" smtClean="0"/>
-              <a:t>15.10.15</a:t>
+              <a:t>27.10.15</a:t>
             </a:fld>
             <a:endParaRPr lang="de-DE"/>
           </a:p>
@@ -1569,7 +1569,7 @@
           <a:p>
             <a:fld id="{A972536A-5780-CD44-AC5B-9A18C78526C7}" type="datetimeFigureOut">
               <a:rPr lang="de-DE" smtClean="0"/>
-              <a:t>15.10.15</a:t>
+              <a:t>27.10.15</a:t>
             </a:fld>
             <a:endParaRPr lang="de-DE"/>
           </a:p>
@@ -1857,7 +1857,7 @@
           <a:p>
             <a:fld id="{A972536A-5780-CD44-AC5B-9A18C78526C7}" type="datetimeFigureOut">
               <a:rPr lang="de-DE" smtClean="0"/>
-              <a:t>15.10.15</a:t>
+              <a:t>27.10.15</a:t>
             </a:fld>
             <a:endParaRPr lang="de-DE"/>
           </a:p>
@@ -2284,7 +2284,7 @@
           <a:p>
             <a:fld id="{A972536A-5780-CD44-AC5B-9A18C78526C7}" type="datetimeFigureOut">
               <a:rPr lang="de-DE" smtClean="0"/>
-              <a:t>15.10.15</a:t>
+              <a:t>27.10.15</a:t>
             </a:fld>
             <a:endParaRPr lang="de-DE"/>
           </a:p>
@@ -2402,7 +2402,7 @@
           <a:p>
             <a:fld id="{A972536A-5780-CD44-AC5B-9A18C78526C7}" type="datetimeFigureOut">
               <a:rPr lang="de-DE" smtClean="0"/>
-              <a:t>15.10.15</a:t>
+              <a:t>27.10.15</a:t>
             </a:fld>
             <a:endParaRPr lang="de-DE"/>
           </a:p>
@@ -2497,7 +2497,7 @@
           <a:p>
             <a:fld id="{A972536A-5780-CD44-AC5B-9A18C78526C7}" type="datetimeFigureOut">
               <a:rPr lang="de-DE" smtClean="0"/>
-              <a:t>15.10.15</a:t>
+              <a:t>27.10.15</a:t>
             </a:fld>
             <a:endParaRPr lang="de-DE"/>
           </a:p>
@@ -2774,7 +2774,7 @@
           <a:p>
             <a:fld id="{A972536A-5780-CD44-AC5B-9A18C78526C7}" type="datetimeFigureOut">
               <a:rPr lang="de-DE" smtClean="0"/>
-              <a:t>15.10.15</a:t>
+              <a:t>27.10.15</a:t>
             </a:fld>
             <a:endParaRPr lang="de-DE"/>
           </a:p>
@@ -3027,7 +3027,7 @@
           <a:p>
             <a:fld id="{A972536A-5780-CD44-AC5B-9A18C78526C7}" type="datetimeFigureOut">
               <a:rPr lang="de-DE" smtClean="0"/>
-              <a:t>15.10.15</a:t>
+              <a:t>27.10.15</a:t>
             </a:fld>
             <a:endParaRPr lang="de-DE"/>
           </a:p>
@@ -3240,7 +3240,7 @@
           <a:p>
             <a:fld id="{A972536A-5780-CD44-AC5B-9A18C78526C7}" type="datetimeFigureOut">
               <a:rPr lang="de-DE" smtClean="0"/>
-              <a:t>15.10.15</a:t>
+              <a:t>27.10.15</a:t>
             </a:fld>
             <a:endParaRPr lang="de-DE"/>
           </a:p>
@@ -3622,7 +3622,7 @@
           <p:nvPr>
             <p:extLst>
               <p:ext uri="{D42A27DB-BD31-4B8C-83A1-F6EECF244321}">
-                <p14:modId xmlns:p14="http://schemas.microsoft.com/office/powerpoint/2010/main" val="2760109114"/>
+                <p14:modId xmlns:p14="http://schemas.microsoft.com/office/powerpoint/2010/main" val="3458982471"/>
               </p:ext>
             </p:extLst>
           </p:nvPr>
